--- a/share/presentations/Java 1/2019_07_19_Präsentation -Final.pptx
+++ b/share/presentations/Java 1/2019_07_19_Präsentation -Final.pptx
@@ -116,6 +116,14 @@
 </p:presentation>
 </file>
 
+<file path=ppt/revisionInfo.xml><?xml version="1.0" encoding="utf-8"?>
+<p1510:revInfo xmlns:a="http://schemas.openxmlformats.org/drawingml/2006/main" xmlns:r="http://schemas.openxmlformats.org/officeDocument/2006/relationships" xmlns:p1510="http://schemas.microsoft.com/office/powerpoint/2015/10/main">
+  <p1510:revLst>
+    <p1510:client id="{655E0217-763C-4E0A-8DBC-259EEEC5DC48}" v="1" dt="2020-08-06T18:23:53.711"/>
+  </p1510:revLst>
+</p1510:revInfo>
+</file>
+
 <file path=ppt/changesInfos/changesInfo1.xml><?xml version="1.0" encoding="utf-8"?>
 <pc:chgInfo xmlns:a="http://schemas.openxmlformats.org/drawingml/2006/main" xmlns:r="http://schemas.openxmlformats.org/officeDocument/2006/relationships" xmlns:ac="http://schemas.microsoft.com/office/drawing/2013/main/command" xmlns:pc="http://schemas.microsoft.com/office/powerpoint/2013/main/command">
   <pc:docChgLst>
@@ -155,6 +163,30 @@
             <ac:picMk id="9" creationId="{EEFA848B-F315-4CF8-ACD0-0C637AD0B24D}"/>
           </ac:picMkLst>
         </pc:picChg>
+      </pc:sldChg>
+    </pc:docChg>
+  </pc:docChgLst>
+  <pc:docChgLst>
+    <pc:chgData name="Marco Petzold" userId="0b6bd35184346b81" providerId="LiveId" clId="{655E0217-763C-4E0A-8DBC-259EEEC5DC48}"/>
+    <pc:docChg chg="custSel modSld">
+      <pc:chgData name="Marco Petzold" userId="0b6bd35184346b81" providerId="LiveId" clId="{655E0217-763C-4E0A-8DBC-259EEEC5DC48}" dt="2020-08-06T18:23:57.050" v="1" actId="478"/>
+      <pc:docMkLst>
+        <pc:docMk/>
+      </pc:docMkLst>
+      <pc:sldChg chg="addSp delSp">
+        <pc:chgData name="Marco Petzold" userId="0b6bd35184346b81" providerId="LiveId" clId="{655E0217-763C-4E0A-8DBC-259EEEC5DC48}" dt="2020-08-06T18:23:57.050" v="1" actId="478"/>
+        <pc:sldMkLst>
+          <pc:docMk/>
+          <pc:sldMk cId="782580355" sldId="257"/>
+        </pc:sldMkLst>
+        <pc:spChg chg="add del">
+          <ac:chgData name="Marco Petzold" userId="0b6bd35184346b81" providerId="LiveId" clId="{655E0217-763C-4E0A-8DBC-259EEEC5DC48}" dt="2020-08-06T18:23:57.050" v="1" actId="478"/>
+          <ac:spMkLst>
+            <pc:docMk/>
+            <pc:sldMk cId="782580355" sldId="257"/>
+            <ac:spMk id="6" creationId="{1C0B3EE0-ACC1-4605-9673-5ABA6E7CAFE3}"/>
+          </ac:spMkLst>
+        </pc:spChg>
       </pc:sldChg>
     </pc:docChg>
   </pc:docChgLst>
